--- a/_34_WS_REST_HolaMundo/powerpoint/REST Web Services.pptx
+++ b/_34_WS_REST_HolaMundo/powerpoint/REST Web Services.pptx
@@ -1038,7 +1038,7 @@
           <a:p>
             <a:fld id="{13F086C1-9A05-4FA5-90A9-451B2FE28877}" type="datetimeFigureOut">
               <a:rPr lang="es-ES" smtClean="0"/>
-              <a:t>14/11/2022</a:t>
+              <a:t>18/11/2022</a:t>
             </a:fld>
             <a:endParaRPr lang="es-ES"/>
           </a:p>
@@ -1858,7 +1858,7 @@
           <a:p>
             <a:fld id="{087FF9DA-8A5B-4EDC-BBEC-F299F5279DCB}" type="datetime1">
               <a:rPr lang="es-ES" smtClean="0"/>
-              <a:t>14/11/2022</a:t>
+              <a:t>18/11/2022</a:t>
             </a:fld>
             <a:endParaRPr lang="es-ES"/>
           </a:p>
@@ -2023,7 +2023,7 @@
           <a:p>
             <a:fld id="{C19B2C18-75A1-487F-A89B-318B71CA9A66}" type="datetime1">
               <a:rPr lang="es-ES" smtClean="0"/>
-              <a:t>14/11/2022</a:t>
+              <a:t>18/11/2022</a:t>
             </a:fld>
             <a:endParaRPr lang="es-ES"/>
           </a:p>
@@ -2198,7 +2198,7 @@
           <a:p>
             <a:fld id="{44C1FABB-FE27-4D6B-B897-7F8D85EF80A1}" type="datetime1">
               <a:rPr lang="es-ES" smtClean="0"/>
-              <a:t>14/11/2022</a:t>
+              <a:t>18/11/2022</a:t>
             </a:fld>
             <a:endParaRPr lang="es-ES"/>
           </a:p>
@@ -2363,7 +2363,7 @@
           <a:p>
             <a:fld id="{86FBB814-7722-4347-9167-781901DD5A1C}" type="datetime1">
               <a:rPr lang="es-ES" smtClean="0"/>
-              <a:t>14/11/2022</a:t>
+              <a:t>18/11/2022</a:t>
             </a:fld>
             <a:endParaRPr lang="es-ES"/>
           </a:p>
@@ -2604,7 +2604,7 @@
           <a:p>
             <a:fld id="{2CF5421D-F938-4AA8-AB73-CF7DB966384A}" type="datetime1">
               <a:rPr lang="es-ES" smtClean="0"/>
-              <a:t>14/11/2022</a:t>
+              <a:t>18/11/2022</a:t>
             </a:fld>
             <a:endParaRPr lang="es-ES"/>
           </a:p>
@@ -2887,7 +2887,7 @@
           <a:p>
             <a:fld id="{D865FD91-AEF2-4598-8C54-C7677C4CB82B}" type="datetime1">
               <a:rPr lang="es-ES" smtClean="0"/>
-              <a:t>14/11/2022</a:t>
+              <a:t>18/11/2022</a:t>
             </a:fld>
             <a:endParaRPr lang="es-ES"/>
           </a:p>
@@ -3316,7 +3316,7 @@
           <a:p>
             <a:fld id="{A1708B5D-C3E8-4AE3-9C58-B98E2C8BC150}" type="datetime1">
               <a:rPr lang="es-ES" smtClean="0"/>
-              <a:t>14/11/2022</a:t>
+              <a:t>18/11/2022</a:t>
             </a:fld>
             <a:endParaRPr lang="es-ES"/>
           </a:p>
@@ -3429,7 +3429,7 @@
           <a:p>
             <a:fld id="{2C4D1C95-912B-461E-B9D3-A8D73D560FB0}" type="datetime1">
               <a:rPr lang="es-ES" smtClean="0"/>
-              <a:t>14/11/2022</a:t>
+              <a:t>18/11/2022</a:t>
             </a:fld>
             <a:endParaRPr lang="es-ES"/>
           </a:p>
@@ -3519,7 +3519,7 @@
           <a:p>
             <a:fld id="{B466D362-FF24-4222-9FDB-4832DB16FB68}" type="datetime1">
               <a:rPr lang="es-ES" smtClean="0"/>
-              <a:t>14/11/2022</a:t>
+              <a:t>18/11/2022</a:t>
             </a:fld>
             <a:endParaRPr lang="es-ES"/>
           </a:p>
@@ -3708,7 +3708,7 @@
           <a:p>
             <a:fld id="{99B3C3A7-F08C-40D1-9530-477D46A318D3}" type="datetime1">
               <a:rPr lang="es-ES" smtClean="0"/>
-              <a:t>14/11/2022</a:t>
+              <a:t>18/11/2022</a:t>
             </a:fld>
             <a:endParaRPr lang="es-ES"/>
           </a:p>
@@ -4026,7 +4026,7 @@
           <a:p>
             <a:fld id="{D92C9648-95DD-4499-922D-553B764BFABD}" type="datetime1">
               <a:rPr lang="es-ES" smtClean="0"/>
-              <a:t>14/11/2022</a:t>
+              <a:t>18/11/2022</a:t>
             </a:fld>
             <a:endParaRPr lang="es-ES"/>
           </a:p>
@@ -4405,7 +4405,7 @@
           <a:p>
             <a:fld id="{CCBE6D82-2854-47B1-8D6A-B17B37645C41}" type="datetime1">
               <a:rPr lang="es-ES" smtClean="0"/>
-              <a:t>14/11/2022</a:t>
+              <a:t>18/11/2022</a:t>
             </a:fld>
             <a:endParaRPr lang="es-ES"/>
           </a:p>
@@ -5539,16 +5539,24 @@
             </a:r>
             <a:r>
               <a:rPr lang="es-ES" dirty="0"/>
-              <a:t> a los Servicios REST, se puede añadir la anotación @</a:t>
-            </a:r>
-            <a:r>
-              <a:rPr lang="es-ES" b="1" dirty="0" err="1"/>
-              <a:t>Stateless</a:t>
-            </a:r>
-            <a:r>
-              <a:rPr lang="es-ES" dirty="0"/>
-              <a:t>.</a:t>
-            </a:r>
+              <a:t> a los Servicios REST, se puede añadir con las anotaciones  encima de </a:t>
+            </a:r>
+            <a:r>
+              <a:rPr lang="es-ES"/>
+              <a:t>la clase</a:t>
+            </a:r>
+          </a:p>
+          <a:p>
+            <a:pPr lvl="1"/>
+            <a:r>
+              <a:rPr lang="es-ES" dirty="0"/>
+              <a:t>@</a:t>
+            </a:r>
+            <a:r>
+              <a:rPr lang="es-ES" b="1" dirty="0"/>
+              <a:t>Stateless @Stateful o @Singleton</a:t>
+            </a:r>
+            <a:endParaRPr lang="es-ES" dirty="0"/>
           </a:p>
           <a:p>
             <a:endParaRPr lang="es-ES" dirty="0"/>
@@ -5621,7 +5629,12 @@
             <p:ph type="title"/>
           </p:nvPr>
         </p:nvSpPr>
-        <p:spPr/>
+        <p:spPr>
+          <a:xfrm>
+            <a:off x="762000" y="260648"/>
+            <a:ext cx="7620000" cy="1143000"/>
+          </a:xfrm>
+        </p:spPr>
         <p:txBody>
           <a:bodyPr/>
           <a:lstStyle/>
@@ -6035,7 +6048,12 @@
             <p:ph type="title"/>
           </p:nvPr>
         </p:nvSpPr>
-        <p:spPr/>
+        <p:spPr>
+          <a:xfrm>
+            <a:off x="539552" y="260648"/>
+            <a:ext cx="7620000" cy="1143000"/>
+          </a:xfrm>
+        </p:spPr>
         <p:txBody>
           <a:bodyPr/>
           <a:lstStyle/>
@@ -6091,6 +6109,12 @@
             <a:r>
               <a:rPr lang="es-ES" dirty="0"/>
               <a:t>Cada recurso puede ser referenciado por una URI única.</a:t>
+            </a:r>
+          </a:p>
+          <a:p>
+            <a:r>
+              <a:rPr lang="es-ES" dirty="0"/>
+              <a:t>Implementación de Oracle por defecto se llama Jersey</a:t>
             </a:r>
           </a:p>
           <a:p>
@@ -6672,7 +6696,7 @@
         </p:nvSpPr>
         <p:spPr>
           <a:xfrm>
-            <a:off x="611560" y="2636912"/>
+            <a:off x="457200" y="2489934"/>
             <a:ext cx="7272808" cy="4093428"/>
           </a:xfrm>
           <a:prstGeom prst="rect">
